--- a/doc/presentation/FinalPresentation.pptx
+++ b/doc/presentation/FinalPresentation.pptx
@@ -4394,7 +4394,7 @@
           <a:p>
             <a:fld id="{48A87A34-81AB-432B-8DAE-1953F412C126}" type="datetimeFigureOut">
               <a:rPr lang="en-US" dirty="0"/>
-              <a:t>11/30/17</a:t>
+              <a:t>12/4/17</a:t>
             </a:fld>
             <a:endParaRPr lang="en-US" dirty="0"/>
           </a:p>
@@ -4656,7 +4656,7 @@
           <a:p>
             <a:fld id="{48A87A34-81AB-432B-8DAE-1953F412C126}" type="datetimeFigureOut">
               <a:rPr lang="en-US" dirty="0"/>
-              <a:t>11/30/17</a:t>
+              <a:t>12/4/17</a:t>
             </a:fld>
             <a:endParaRPr lang="en-US" dirty="0"/>
           </a:p>
@@ -4847,7 +4847,7 @@
           <a:p>
             <a:fld id="{48A87A34-81AB-432B-8DAE-1953F412C126}" type="datetimeFigureOut">
               <a:rPr lang="en-US" dirty="0"/>
-              <a:t>11/30/17</a:t>
+              <a:t>12/4/17</a:t>
             </a:fld>
             <a:endParaRPr lang="en-US" dirty="0"/>
           </a:p>
@@ -5105,7 +5105,7 @@
           <a:p>
             <a:fld id="{48A87A34-81AB-432B-8DAE-1953F412C126}" type="datetimeFigureOut">
               <a:rPr lang="en-US" dirty="0"/>
-              <a:t>11/30/17</a:t>
+              <a:t>12/4/17</a:t>
             </a:fld>
             <a:endParaRPr lang="en-US" dirty="0"/>
           </a:p>
@@ -5534,7 +5534,7 @@
           <a:p>
             <a:fld id="{48A87A34-81AB-432B-8DAE-1953F412C126}" type="datetimeFigureOut">
               <a:rPr lang="en-US" dirty="0"/>
-              <a:t>11/30/17</a:t>
+              <a:t>12/4/17</a:t>
             </a:fld>
             <a:endParaRPr lang="en-US" dirty="0"/>
           </a:p>
@@ -6075,7 +6075,7 @@
           <a:p>
             <a:fld id="{48A87A34-81AB-432B-8DAE-1953F412C126}" type="datetimeFigureOut">
               <a:rPr lang="en-US" dirty="0"/>
-              <a:t>11/30/17</a:t>
+              <a:t>12/4/17</a:t>
             </a:fld>
             <a:endParaRPr lang="en-US" dirty="0"/>
           </a:p>
@@ -6790,7 +6790,7 @@
           <a:p>
             <a:fld id="{48A87A34-81AB-432B-8DAE-1953F412C126}" type="datetimeFigureOut">
               <a:rPr lang="en-US" dirty="0"/>
-              <a:t>11/30/17</a:t>
+              <a:t>12/4/17</a:t>
             </a:fld>
             <a:endParaRPr lang="en-US" dirty="0"/>
           </a:p>
@@ -6955,7 +6955,7 @@
           <a:p>
             <a:fld id="{48A87A34-81AB-432B-8DAE-1953F412C126}" type="datetimeFigureOut">
               <a:rPr lang="en-US" dirty="0"/>
-              <a:t>11/30/17</a:t>
+              <a:t>12/4/17</a:t>
             </a:fld>
             <a:endParaRPr lang="en-US" dirty="0"/>
           </a:p>
@@ -7130,7 +7130,7 @@
           <a:p>
             <a:fld id="{48A87A34-81AB-432B-8DAE-1953F412C126}" type="datetimeFigureOut">
               <a:rPr lang="en-US" dirty="0"/>
-              <a:t>11/30/17</a:t>
+              <a:t>12/4/17</a:t>
             </a:fld>
             <a:endParaRPr lang="en-US" dirty="0"/>
           </a:p>
@@ -7295,7 +7295,7 @@
           <a:p>
             <a:fld id="{48A87A34-81AB-432B-8DAE-1953F412C126}" type="datetimeFigureOut">
               <a:rPr lang="en-US" dirty="0"/>
-              <a:t>11/30/17</a:t>
+              <a:t>12/4/17</a:t>
             </a:fld>
             <a:endParaRPr lang="en-US" dirty="0"/>
           </a:p>
@@ -7540,7 +7540,7 @@
           <a:p>
             <a:fld id="{48A87A34-81AB-432B-8DAE-1953F412C126}" type="datetimeFigureOut">
               <a:rPr lang="en-US" dirty="0"/>
-              <a:t>11/30/17</a:t>
+              <a:t>12/4/17</a:t>
             </a:fld>
             <a:endParaRPr lang="en-US" dirty="0"/>
           </a:p>
@@ -7767,7 +7767,7 @@
           <a:p>
             <a:fld id="{48A87A34-81AB-432B-8DAE-1953F412C126}" type="datetimeFigureOut">
               <a:rPr lang="en-US" dirty="0"/>
-              <a:t>11/30/17</a:t>
+              <a:t>12/4/17</a:t>
             </a:fld>
             <a:endParaRPr lang="en-US" dirty="0"/>
           </a:p>
@@ -8143,7 +8143,7 @@
           <a:p>
             <a:fld id="{48A87A34-81AB-432B-8DAE-1953F412C126}" type="datetimeFigureOut">
               <a:rPr lang="en-US" dirty="0"/>
-              <a:t>11/30/17</a:t>
+              <a:t>12/4/17</a:t>
             </a:fld>
             <a:endParaRPr lang="en-US" dirty="0"/>
           </a:p>
@@ -8256,7 +8256,7 @@
           <a:p>
             <a:fld id="{48A87A34-81AB-432B-8DAE-1953F412C126}" type="datetimeFigureOut">
               <a:rPr lang="en-US" dirty="0"/>
-              <a:t>11/30/17</a:t>
+              <a:t>12/4/17</a:t>
             </a:fld>
             <a:endParaRPr lang="en-US" dirty="0"/>
           </a:p>
@@ -8346,7 +8346,7 @@
           <a:p>
             <a:fld id="{48A87A34-81AB-432B-8DAE-1953F412C126}" type="datetimeFigureOut">
               <a:rPr lang="en-US" dirty="0"/>
-              <a:t>11/30/17</a:t>
+              <a:t>12/4/17</a:t>
             </a:fld>
             <a:endParaRPr lang="en-US" dirty="0"/>
           </a:p>
@@ -8590,7 +8590,7 @@
           <a:p>
             <a:fld id="{48A87A34-81AB-432B-8DAE-1953F412C126}" type="datetimeFigureOut">
               <a:rPr lang="en-US" dirty="0"/>
-              <a:t>11/30/17</a:t>
+              <a:t>12/4/17</a:t>
             </a:fld>
             <a:endParaRPr lang="en-US" dirty="0"/>
           </a:p>
@@ -8865,7 +8865,7 @@
           <a:p>
             <a:fld id="{48A87A34-81AB-432B-8DAE-1953F412C126}" type="datetimeFigureOut">
               <a:rPr lang="en-US" dirty="0"/>
-              <a:t>11/30/17</a:t>
+              <a:t>12/4/17</a:t>
             </a:fld>
             <a:endParaRPr lang="en-US" dirty="0"/>
           </a:p>
@@ -11938,7 +11938,7 @@
             <a:fld id="{48A87A34-81AB-432B-8DAE-1953F412C126}" type="datetimeFigureOut">
               <a:rPr lang="en-US" dirty="0"/>
               <a:pPr/>
-              <a:t>11/30/17</a:t>
+              <a:t>12/4/17</a:t>
             </a:fld>
             <a:endParaRPr lang="en-US" dirty="0"/>
           </a:p>
@@ -12422,13 +12422,13 @@
   <p:clrMapOvr>
     <a:masterClrMapping/>
   </p:clrMapOvr>
-  <mc:AlternateContent xmlns:mc="http://schemas.openxmlformats.org/markup-compatibility/2006">
-    <mc:Choice xmlns:p14="http://schemas.microsoft.com/office/powerpoint/2010/main" Requires="p14">
+  <mc:AlternateContent xmlns:mc="http://schemas.openxmlformats.org/markup-compatibility/2006" xmlns:p14="http://schemas.microsoft.com/office/powerpoint/2010/main">
+    <mc:Choice Requires="p14">
       <p:transition spd="slow" p14:dur="1300">
         <p14:pan dir="u"/>
       </p:transition>
     </mc:Choice>
-    <mc:Fallback>
+    <mc:Fallback xmlns="">
       <p:transition spd="slow">
         <p:fade/>
       </p:transition>
@@ -12550,13 +12550,13 @@
   <p:clrMapOvr>
     <a:masterClrMapping/>
   </p:clrMapOvr>
-  <mc:AlternateContent xmlns:mc="http://schemas.openxmlformats.org/markup-compatibility/2006">
-    <mc:Choice xmlns:p14="http://schemas.microsoft.com/office/powerpoint/2010/main" Requires="p14">
+  <mc:AlternateContent xmlns:mc="http://schemas.openxmlformats.org/markup-compatibility/2006" xmlns:p14="http://schemas.microsoft.com/office/powerpoint/2010/main">
+    <mc:Choice Requires="p14">
       <p:transition spd="slow" p14:dur="1300">
         <p14:pan dir="u"/>
       </p:transition>
     </mc:Choice>
-    <mc:Fallback>
+    <mc:Fallback xmlns="">
       <p:transition spd="slow">
         <p:fade/>
       </p:transition>
@@ -12683,13 +12683,13 @@
   <p:clrMapOvr>
     <a:masterClrMapping/>
   </p:clrMapOvr>
-  <mc:AlternateContent xmlns:mc="http://schemas.openxmlformats.org/markup-compatibility/2006">
-    <mc:Choice xmlns:p14="http://schemas.microsoft.com/office/powerpoint/2010/main" Requires="p14">
+  <mc:AlternateContent xmlns:mc="http://schemas.openxmlformats.org/markup-compatibility/2006" xmlns:p14="http://schemas.microsoft.com/office/powerpoint/2010/main">
+    <mc:Choice Requires="p14">
       <p:transition spd="slow" p14:dur="1300">
         <p14:pan dir="u"/>
       </p:transition>
     </mc:Choice>
-    <mc:Fallback>
+    <mc:Fallback xmlns="">
       <p:transition spd="slow">
         <p:fade/>
       </p:transition>
@@ -12750,7 +12750,9 @@
         </p:nvSpPr>
         <p:spPr/>
         <p:txBody>
-          <a:bodyPr/>
+          <a:bodyPr>
+            <a:normAutofit lnSpcReduction="10000"/>
+          </a:bodyPr>
           <a:lstStyle/>
           <a:p>
             <a:r>
@@ -12802,6 +12804,13 @@
             <a:r>
               <a:rPr lang="en-US" dirty="0" smtClean="0"/>
               <a:t>Maven</a:t>
+            </a:r>
+          </a:p>
+          <a:p>
+            <a:pPr lvl="1"/>
+            <a:r>
+              <a:rPr lang="en-US" dirty="0" smtClean="0"/>
+              <a:t>Jackson</a:t>
             </a:r>
           </a:p>
           <a:p>
@@ -12819,13 +12828,13 @@
   <p:clrMapOvr>
     <a:masterClrMapping/>
   </p:clrMapOvr>
-  <mc:AlternateContent xmlns:mc="http://schemas.openxmlformats.org/markup-compatibility/2006">
-    <mc:Choice xmlns:p14="http://schemas.microsoft.com/office/powerpoint/2010/main" Requires="p14">
+  <mc:AlternateContent xmlns:mc="http://schemas.openxmlformats.org/markup-compatibility/2006" xmlns:p14="http://schemas.microsoft.com/office/powerpoint/2010/main">
+    <mc:Choice Requires="p14">
       <p:transition spd="slow" p14:dur="1300">
         <p14:pan dir="u"/>
       </p:transition>
     </mc:Choice>
-    <mc:Fallback>
+    <mc:Fallback xmlns="">
       <p:transition spd="slow">
         <p:fade/>
       </p:transition>
@@ -12891,17 +12900,24 @@
           <a:p>
             <a:r>
               <a:rPr lang="en-US" dirty="0" smtClean="0"/>
-              <a:t>Pure CSS framework</a:t>
+              <a:t>Pure CSS modules</a:t>
             </a:r>
           </a:p>
           <a:p>
             <a:r>
               <a:rPr lang="en-US" dirty="0" smtClean="0"/>
-              <a:t>Basic </a:t>
+              <a:t>jQuery </a:t>
             </a:r>
             <a:r>
+              <a:rPr lang="en-US" smtClean="0"/>
+              <a:t>AJAX API calls</a:t>
+            </a:r>
+            <a:endParaRPr lang="en-US" dirty="0" smtClean="0"/>
+          </a:p>
+          <a:p>
+            <a:r>
               <a:rPr lang="en-US" dirty="0" smtClean="0"/>
-              <a:t>password </a:t>
+              <a:t>Basic password </a:t>
             </a:r>
             <a:r>
               <a:rPr lang="en-US" dirty="0"/>
@@ -12931,13 +12947,13 @@
   <p:clrMapOvr>
     <a:masterClrMapping/>
   </p:clrMapOvr>
-  <mc:AlternateContent xmlns:mc="http://schemas.openxmlformats.org/markup-compatibility/2006">
-    <mc:Choice xmlns:p14="http://schemas.microsoft.com/office/powerpoint/2010/main" Requires="p14">
+  <mc:AlternateContent xmlns:mc="http://schemas.openxmlformats.org/markup-compatibility/2006" xmlns:p14="http://schemas.microsoft.com/office/powerpoint/2010/main">
+    <mc:Choice Requires="p14">
       <p:transition spd="slow" p14:dur="1300">
         <p14:pan dir="u"/>
       </p:transition>
     </mc:Choice>
-    <mc:Fallback>
+    <mc:Fallback xmlns="">
       <p:transition spd="slow">
         <p:fade/>
       </p:transition>
@@ -12988,7 +13004,7 @@
       </p:sp>
       <p:pic>
         <p:nvPicPr>
-          <p:cNvPr id="4" name="Content Placeholder 3"/>
+          <p:cNvPr id="5" name="Content Placeholder 4"/>
           <p:cNvPicPr>
             <a:picLocks noGrp="1" noChangeAspect="1"/>
           </p:cNvPicPr>
@@ -13010,8 +13026,8 @@
         </p:blipFill>
         <p:spPr>
           <a:xfrm>
-            <a:off x="2053362" y="1597929"/>
-            <a:ext cx="8082100" cy="4674185"/>
+            <a:off x="1141413" y="1599364"/>
+            <a:ext cx="9905998" cy="5013472"/>
           </a:xfrm>
         </p:spPr>
       </p:pic>
@@ -13025,13 +13041,13 @@
   <p:clrMapOvr>
     <a:masterClrMapping/>
   </p:clrMapOvr>
-  <mc:AlternateContent xmlns:mc="http://schemas.openxmlformats.org/markup-compatibility/2006">
-    <mc:Choice xmlns:p14="http://schemas.microsoft.com/office/powerpoint/2010/main" Requires="p14">
+  <mc:AlternateContent xmlns:mc="http://schemas.openxmlformats.org/markup-compatibility/2006" xmlns:p14="http://schemas.microsoft.com/office/powerpoint/2010/main">
+    <mc:Choice Requires="p14">
       <p:transition spd="slow" p14:dur="1300">
         <p14:pan dir="u"/>
       </p:transition>
     </mc:Choice>
-    <mc:Fallback>
+    <mc:Fallback xmlns="">
       <p:transition spd="slow">
         <p:fade/>
       </p:transition>
@@ -13109,13 +13125,13 @@
   <p:clrMapOvr>
     <a:masterClrMapping/>
   </p:clrMapOvr>
-  <mc:AlternateContent xmlns:mc="http://schemas.openxmlformats.org/markup-compatibility/2006">
-    <mc:Choice xmlns:p14="http://schemas.microsoft.com/office/powerpoint/2010/main" Requires="p14">
+  <mc:AlternateContent xmlns:mc="http://schemas.openxmlformats.org/markup-compatibility/2006" xmlns:p14="http://schemas.microsoft.com/office/powerpoint/2010/main">
+    <mc:Choice Requires="p14">
       <p:transition spd="slow" p14:dur="1300">
         <p14:pan dir="u"/>
       </p:transition>
     </mc:Choice>
-    <mc:Fallback>
+    <mc:Fallback xmlns="">
       <p:transition spd="slow">
         <p:fade/>
       </p:transition>
